--- a/Projektplanung/Mockup_Expensesmanager.pptx
+++ b/Projektplanung/Mockup_Expensesmanager.pptx
@@ -115,6 +115,11 @@
       </a:defRPr>
     </a:lvl9pPr>
   </p:defaultTextStyle>
+  <p:extLst>
+    <p:ext uri="{EFAFB233-063F-42B5-8137-9DF3F51BA10A}">
+      <p15:sldGuideLst xmlns:p15="http://schemas.microsoft.com/office/powerpoint/2012/main"/>
+    </p:ext>
+  </p:extLst>
 </p:presentation>
 </file>
 
@@ -200,7 +205,7 @@
           <a:p>
             <a:fld id="{92215197-CCE9-40CB-A928-7167FF606A49}" type="datetimeFigureOut">
               <a:rPr lang="de-CH" smtClean="0"/>
-              <a:t>27.01.2025</a:t>
+              <a:t>03.02.2025</a:t>
             </a:fld>
             <a:endParaRPr lang="de-CH"/>
           </a:p>
@@ -953,7 +958,7 @@
           <a:p>
             <a:fld id="{8DA1EF7A-006F-42B0-BECA-62E0072E01DE}" type="datetimeFigureOut">
               <a:rPr lang="de-CH" smtClean="0"/>
-              <a:t>27.01.2025</a:t>
+              <a:t>03.02.2025</a:t>
             </a:fld>
             <a:endParaRPr lang="de-CH"/>
           </a:p>
@@ -1153,7 +1158,7 @@
           <a:p>
             <a:fld id="{8DA1EF7A-006F-42B0-BECA-62E0072E01DE}" type="datetimeFigureOut">
               <a:rPr lang="de-CH" smtClean="0"/>
-              <a:t>27.01.2025</a:t>
+              <a:t>03.02.2025</a:t>
             </a:fld>
             <a:endParaRPr lang="de-CH"/>
           </a:p>
@@ -1363,7 +1368,7 @@
           <a:p>
             <a:fld id="{8DA1EF7A-006F-42B0-BECA-62E0072E01DE}" type="datetimeFigureOut">
               <a:rPr lang="de-CH" smtClean="0"/>
-              <a:t>27.01.2025</a:t>
+              <a:t>03.02.2025</a:t>
             </a:fld>
             <a:endParaRPr lang="de-CH"/>
           </a:p>
@@ -1563,7 +1568,7 @@
           <a:p>
             <a:fld id="{8DA1EF7A-006F-42B0-BECA-62E0072E01DE}" type="datetimeFigureOut">
               <a:rPr lang="de-CH" smtClean="0"/>
-              <a:t>27.01.2025</a:t>
+              <a:t>03.02.2025</a:t>
             </a:fld>
             <a:endParaRPr lang="de-CH"/>
           </a:p>
@@ -1839,7 +1844,7 @@
           <a:p>
             <a:fld id="{8DA1EF7A-006F-42B0-BECA-62E0072E01DE}" type="datetimeFigureOut">
               <a:rPr lang="de-CH" smtClean="0"/>
-              <a:t>27.01.2025</a:t>
+              <a:t>03.02.2025</a:t>
             </a:fld>
             <a:endParaRPr lang="de-CH"/>
           </a:p>
@@ -2107,7 +2112,7 @@
           <a:p>
             <a:fld id="{8DA1EF7A-006F-42B0-BECA-62E0072E01DE}" type="datetimeFigureOut">
               <a:rPr lang="de-CH" smtClean="0"/>
-              <a:t>27.01.2025</a:t>
+              <a:t>03.02.2025</a:t>
             </a:fld>
             <a:endParaRPr lang="de-CH"/>
           </a:p>
@@ -2522,7 +2527,7 @@
           <a:p>
             <a:fld id="{8DA1EF7A-006F-42B0-BECA-62E0072E01DE}" type="datetimeFigureOut">
               <a:rPr lang="de-CH" smtClean="0"/>
-              <a:t>27.01.2025</a:t>
+              <a:t>03.02.2025</a:t>
             </a:fld>
             <a:endParaRPr lang="de-CH"/>
           </a:p>
@@ -2664,7 +2669,7 @@
           <a:p>
             <a:fld id="{8DA1EF7A-006F-42B0-BECA-62E0072E01DE}" type="datetimeFigureOut">
               <a:rPr lang="de-CH" smtClean="0"/>
-              <a:t>27.01.2025</a:t>
+              <a:t>03.02.2025</a:t>
             </a:fld>
             <a:endParaRPr lang="de-CH"/>
           </a:p>
@@ -2777,7 +2782,7 @@
           <a:p>
             <a:fld id="{8DA1EF7A-006F-42B0-BECA-62E0072E01DE}" type="datetimeFigureOut">
               <a:rPr lang="de-CH" smtClean="0"/>
-              <a:t>27.01.2025</a:t>
+              <a:t>03.02.2025</a:t>
             </a:fld>
             <a:endParaRPr lang="de-CH"/>
           </a:p>
@@ -3090,7 +3095,7 @@
           <a:p>
             <a:fld id="{8DA1EF7A-006F-42B0-BECA-62E0072E01DE}" type="datetimeFigureOut">
               <a:rPr lang="de-CH" smtClean="0"/>
-              <a:t>27.01.2025</a:t>
+              <a:t>03.02.2025</a:t>
             </a:fld>
             <a:endParaRPr lang="de-CH"/>
           </a:p>
@@ -3379,7 +3384,7 @@
           <a:p>
             <a:fld id="{8DA1EF7A-006F-42B0-BECA-62E0072E01DE}" type="datetimeFigureOut">
               <a:rPr lang="de-CH" smtClean="0"/>
-              <a:t>27.01.2025</a:t>
+              <a:t>03.02.2025</a:t>
             </a:fld>
             <a:endParaRPr lang="de-CH"/>
           </a:p>
@@ -3622,7 +3627,7 @@
           <a:p>
             <a:fld id="{8DA1EF7A-006F-42B0-BECA-62E0072E01DE}" type="datetimeFigureOut">
               <a:rPr lang="de-CH" smtClean="0"/>
-              <a:t>27.01.2025</a:t>
+              <a:t>03.02.2025</a:t>
             </a:fld>
             <a:endParaRPr lang="de-CH"/>
           </a:p>
@@ -15398,7 +15403,7 @@
                   <a:srgbClr val="8D6EEF"/>
                 </a:solidFill>
               </a:rPr>
-              <a:t>Neus </a:t>
+              <a:t>Neues </a:t>
             </a:r>
             <a:r>
               <a:rPr lang="de-CH" sz="3200" dirty="0">
